--- a/biotrain-2022/What-Now-Continued-Learning.pptx
+++ b/biotrain-2022/What-Now-Continued-Learning.pptx
@@ -215,7 +215,7 @@
           <a:p>
             <a:fld id="{E8E7AF6E-CAA8-CF47-9166-EEF4B1279BDA}" type="datetimeFigureOut">
               <a:rPr lang="en-US" smtClean="0"/>
-              <a:t>5/30/19</a:t>
+              <a:t>5/31/22</a:t>
             </a:fld>
             <a:endParaRPr lang="en-US"/>
           </a:p>
@@ -1258,7 +1258,7 @@
           <a:p>
             <a:fld id="{D5F7E5AE-4F70-FD47-95D3-BF4E86987C9F}" type="datetimeFigureOut">
               <a:rPr lang="en-US" smtClean="0"/>
-              <a:t>5/30/19</a:t>
+              <a:t>5/31/22</a:t>
             </a:fld>
             <a:endParaRPr lang="en-US"/>
           </a:p>
@@ -1442,7 +1442,7 @@
           <a:p>
             <a:fld id="{D5F7E5AE-4F70-FD47-95D3-BF4E86987C9F}" type="datetimeFigureOut">
               <a:rPr lang="en-US" smtClean="0"/>
-              <a:t>5/30/19</a:t>
+              <a:t>5/31/22</a:t>
             </a:fld>
             <a:endParaRPr lang="en-US"/>
           </a:p>
@@ -1636,7 +1636,7 @@
           <a:p>
             <a:fld id="{D5F7E5AE-4F70-FD47-95D3-BF4E86987C9F}" type="datetimeFigureOut">
               <a:rPr lang="en-US" smtClean="0"/>
-              <a:t>5/30/19</a:t>
+              <a:t>5/31/22</a:t>
             </a:fld>
             <a:endParaRPr lang="en-US"/>
           </a:p>
@@ -1820,7 +1820,7 @@
           <a:p>
             <a:fld id="{D5F7E5AE-4F70-FD47-95D3-BF4E86987C9F}" type="datetimeFigureOut">
               <a:rPr lang="en-US" smtClean="0"/>
-              <a:t>5/30/19</a:t>
+              <a:t>5/31/22</a:t>
             </a:fld>
             <a:endParaRPr lang="en-US"/>
           </a:p>
@@ -2081,7 +2081,7 @@
           <a:p>
             <a:fld id="{D5F7E5AE-4F70-FD47-95D3-BF4E86987C9F}" type="datetimeFigureOut">
               <a:rPr lang="en-US" smtClean="0"/>
-              <a:t>5/30/19</a:t>
+              <a:t>5/31/22</a:t>
             </a:fld>
             <a:endParaRPr lang="en-US"/>
           </a:p>
@@ -2382,7 +2382,7 @@
           <a:p>
             <a:fld id="{D5F7E5AE-4F70-FD47-95D3-BF4E86987C9F}" type="datetimeFigureOut">
               <a:rPr lang="en-US" smtClean="0"/>
-              <a:t>5/30/19</a:t>
+              <a:t>5/31/22</a:t>
             </a:fld>
             <a:endParaRPr lang="en-US"/>
           </a:p>
@@ -2817,7 +2817,7 @@
           <a:p>
             <a:fld id="{D5F7E5AE-4F70-FD47-95D3-BF4E86987C9F}" type="datetimeFigureOut">
               <a:rPr lang="en-US" smtClean="0"/>
-              <a:t>5/30/19</a:t>
+              <a:t>5/31/22</a:t>
             </a:fld>
             <a:endParaRPr lang="en-US"/>
           </a:p>
@@ -2950,7 +2950,7 @@
           <a:p>
             <a:fld id="{D5F7E5AE-4F70-FD47-95D3-BF4E86987C9F}" type="datetimeFigureOut">
               <a:rPr lang="en-US" smtClean="0"/>
-              <a:t>5/30/19</a:t>
+              <a:t>5/31/22</a:t>
             </a:fld>
             <a:endParaRPr lang="en-US"/>
           </a:p>
@@ -3061,7 +3061,7 @@
           <a:p>
             <a:fld id="{D5F7E5AE-4F70-FD47-95D3-BF4E86987C9F}" type="datetimeFigureOut">
               <a:rPr lang="en-US" smtClean="0"/>
-              <a:t>5/30/19</a:t>
+              <a:t>5/31/22</a:t>
             </a:fld>
             <a:endParaRPr lang="en-US"/>
           </a:p>
@@ -3352,7 +3352,7 @@
           <a:p>
             <a:fld id="{D5F7E5AE-4F70-FD47-95D3-BF4E86987C9F}" type="datetimeFigureOut">
               <a:rPr lang="en-US" smtClean="0"/>
-              <a:t>5/30/19</a:t>
+              <a:t>5/31/22</a:t>
             </a:fld>
             <a:endParaRPr lang="en-US"/>
           </a:p>
@@ -3620,7 +3620,7 @@
           <a:p>
             <a:fld id="{D5F7E5AE-4F70-FD47-95D3-BF4E86987C9F}" type="datetimeFigureOut">
               <a:rPr lang="en-US" smtClean="0"/>
-              <a:t>5/30/19</a:t>
+              <a:t>5/31/22</a:t>
             </a:fld>
             <a:endParaRPr lang="en-US"/>
           </a:p>
@@ -4200,13 +4200,13 @@
           <a:p>
             <a:r>
               <a:rPr lang="en-US" dirty="0"/>
-              <a:t>Bryan Moyers</a:t>
+              <a:t>James Lawlor</a:t>
             </a:r>
           </a:p>
           <a:p>
             <a:r>
               <a:rPr lang="en-US" dirty="0"/>
-              <a:t>June 03, 2019</a:t>
+              <a:t>June 2022</a:t>
             </a:r>
           </a:p>
         </p:txBody>
